--- a/DSA mini.pptx
+++ b/DSA mini.pptx
@@ -25,12 +25,14 @@
     <p:sldId id="387" r:id="rId18"/>
     <p:sldId id="397" r:id="rId19"/>
     <p:sldId id="388" r:id="rId20"/>
-    <p:sldId id="391" r:id="rId21"/>
-    <p:sldId id="392" r:id="rId22"/>
-    <p:sldId id="393" r:id="rId23"/>
-    <p:sldId id="394" r:id="rId24"/>
-    <p:sldId id="395" r:id="rId25"/>
-    <p:sldId id="396" r:id="rId26"/>
+    <p:sldId id="417" r:id="rId21"/>
+    <p:sldId id="418" r:id="rId22"/>
+    <p:sldId id="391" r:id="rId23"/>
+    <p:sldId id="392" r:id="rId24"/>
+    <p:sldId id="393" r:id="rId25"/>
+    <p:sldId id="394" r:id="rId26"/>
+    <p:sldId id="395" r:id="rId27"/>
+    <p:sldId id="396" r:id="rId28"/>
   </p:sldIdLst>
   <p:sldSz cx="12192000" cy="6858000"/>
   <p:notesSz cx="6858000" cy="9144000"/>
@@ -132,12 +134,12 @@
   <p:extLst>
     <p:ext uri="{EFAFB233-063F-42B5-8137-9DF3F51BA10A}">
       <p15:sldGuideLst xmlns:p15="http://schemas.microsoft.com/office/powerpoint/2012/main">
-        <p15:guide id="1" orient="horz" pos="2159" userDrawn="1">
+        <p15:guide id="1" orient="horz" pos="2165" userDrawn="1">
           <p15:clr>
             <a:srgbClr val="A4A3A4"/>
           </p15:clr>
         </p15:guide>
-        <p15:guide id="2" pos="3845" userDrawn="1">
+        <p15:guide id="2" pos="3823" userDrawn="1">
           <p15:clr>
             <a:srgbClr val="A4A3A4"/>
           </p15:clr>
@@ -4258,6 +4260,505 @@
 <file path=ppt/slides/slide18.xml><?xml version="1.0" encoding="utf-8"?>
 <p:sld xmlns:a="http://schemas.openxmlformats.org/drawingml/2006/main" xmlns:r="http://schemas.openxmlformats.org/officeDocument/2006/relationships" xmlns:p="http://schemas.openxmlformats.org/presentationml/2006/main">
   <p:cSld>
+    <p:spTree>
+      <p:nvGrpSpPr>
+        <p:cNvPr id="1" name=""/>
+        <p:cNvGrpSpPr/>
+        <p:nvPr/>
+      </p:nvGrpSpPr>
+      <p:grpSpPr/>
+      <p:pic>
+        <p:nvPicPr>
+          <p:cNvPr id="2" name="Picture 1"/>
+          <p:cNvPicPr>
+            <a:picLocks noChangeAspect="1"/>
+          </p:cNvPicPr>
+          <p:nvPr/>
+        </p:nvPicPr>
+        <p:blipFill>
+          <a:blip r:embed="rId1"/>
+          <a:stretch>
+            <a:fillRect/>
+          </a:stretch>
+        </p:blipFill>
+        <p:spPr>
+          <a:xfrm>
+            <a:off x="0" y="339090"/>
+            <a:ext cx="12192635" cy="6180455"/>
+          </a:xfrm>
+          <a:prstGeom prst="rect">
+            <a:avLst/>
+          </a:prstGeom>
+        </p:spPr>
+      </p:pic>
+    </p:spTree>
+  </p:cSld>
+  <p:clrMapOvr>
+    <a:masterClrMapping/>
+  </p:clrMapOvr>
+</p:sld>
+</file>
+
+<file path=ppt/slides/slide19.xml><?xml version="1.0" encoding="utf-8"?>
+<p:sld xmlns:a="http://schemas.openxmlformats.org/drawingml/2006/main" xmlns:r="http://schemas.openxmlformats.org/officeDocument/2006/relationships" xmlns:p="http://schemas.openxmlformats.org/presentationml/2006/main">
+  <p:cSld>
+    <p:spTree>
+      <p:nvGrpSpPr>
+        <p:cNvPr id="1" name=""/>
+        <p:cNvGrpSpPr/>
+        <p:nvPr/>
+      </p:nvGrpSpPr>
+      <p:grpSpPr/>
+      <p:pic>
+        <p:nvPicPr>
+          <p:cNvPr id="2" name="Picture 1"/>
+          <p:cNvPicPr>
+            <a:picLocks noChangeAspect="1"/>
+          </p:cNvPicPr>
+          <p:nvPr/>
+        </p:nvPicPr>
+        <p:blipFill>
+          <a:blip r:embed="rId1"/>
+          <a:stretch>
+            <a:fillRect/>
+          </a:stretch>
+        </p:blipFill>
+        <p:spPr>
+          <a:xfrm>
+            <a:off x="614045" y="0"/>
+            <a:ext cx="11071225" cy="6876415"/>
+          </a:xfrm>
+          <a:prstGeom prst="rect">
+            <a:avLst/>
+          </a:prstGeom>
+        </p:spPr>
+      </p:pic>
+    </p:spTree>
+  </p:cSld>
+  <p:clrMapOvr>
+    <a:masterClrMapping/>
+  </p:clrMapOvr>
+</p:sld>
+</file>
+
+<file path=ppt/slides/slide2.xml><?xml version="1.0" encoding="utf-8"?>
+<p:sld xmlns:a="http://schemas.openxmlformats.org/drawingml/2006/main" xmlns:r="http://schemas.openxmlformats.org/officeDocument/2006/relationships" xmlns:p="http://schemas.openxmlformats.org/presentationml/2006/main">
+  <p:cSld>
+    <p:bg>
+      <p:bgPr>
+        <a:solidFill>
+          <a:schemeClr val="bg1">
+            <a:alpha val="100000"/>
+          </a:schemeClr>
+        </a:solidFill>
+        <a:effectLst/>
+      </p:bgPr>
+    </p:bg>
+    <p:spTree>
+      <p:nvGrpSpPr>
+        <p:cNvPr id="1" name=""/>
+        <p:cNvGrpSpPr/>
+        <p:nvPr/>
+      </p:nvGrpSpPr>
+      <p:grpSpPr>
+        <a:xfrm>
+          <a:off x="0" y="0"/>
+          <a:ext cx="0" cy="0"/>
+          <a:chOff x="0" y="0"/>
+          <a:chExt cx="0" cy="0"/>
+        </a:xfrm>
+      </p:grpSpPr>
+      <p:sp>
+        <p:nvSpPr>
+          <p:cNvPr id="22" name="Rectangle 21"/>
+          <p:cNvSpPr/>
+          <p:nvPr/>
+        </p:nvSpPr>
+        <p:spPr>
+          <a:xfrm>
+            <a:off x="371880" y="651898"/>
+            <a:ext cx="7999758" cy="461665"/>
+          </a:xfrm>
+          <a:prstGeom prst="rect">
+            <a:avLst/>
+          </a:prstGeom>
+        </p:spPr>
+        <p:txBody>
+          <a:bodyPr wrap="square">
+            <a:spAutoFit/>
+          </a:bodyPr>
+          <a:lstStyle/>
+          <a:p>
+            <a:r>
+              <a:rPr lang="en-IN" sz="2400" b="1" dirty="0">
+                <a:solidFill>
+                  <a:schemeClr val="accent2">
+                    <a:lumMod val="75000"/>
+                  </a:schemeClr>
+                </a:solidFill>
+              </a:rPr>
+              <a:t>Project Title &amp; Team Members</a:t>
+            </a:r>
+            <a:endParaRPr lang="en-IN" sz="2400" b="1" dirty="0">
+              <a:solidFill>
+                <a:schemeClr val="accent2">
+                  <a:lumMod val="75000"/>
+                </a:schemeClr>
+              </a:solidFill>
+            </a:endParaRPr>
+          </a:p>
+        </p:txBody>
+      </p:sp>
+      <p:cxnSp>
+        <p:nvCxnSpPr>
+          <p:cNvPr id="8" name="Straight Connector 7"/>
+          <p:cNvCxnSpPr/>
+          <p:nvPr/>
+        </p:nvCxnSpPr>
+        <p:spPr>
+          <a:xfrm>
+            <a:off x="-8308" y="1316458"/>
+            <a:ext cx="8300052" cy="0"/>
+          </a:xfrm>
+          <a:prstGeom prst="line">
+            <a:avLst/>
+          </a:prstGeom>
+          <a:ln w="38100">
+            <a:solidFill>
+              <a:schemeClr val="accent2">
+                <a:lumMod val="75000"/>
+              </a:schemeClr>
+            </a:solidFill>
+          </a:ln>
+        </p:spPr>
+        <p:style>
+          <a:lnRef idx="1">
+            <a:schemeClr val="accent1"/>
+          </a:lnRef>
+          <a:fillRef idx="0">
+            <a:schemeClr val="accent1"/>
+          </a:fillRef>
+          <a:effectRef idx="0">
+            <a:schemeClr val="accent1"/>
+          </a:effectRef>
+          <a:fontRef idx="minor">
+            <a:schemeClr val="tx1"/>
+          </a:fontRef>
+        </p:style>
+      </p:cxnSp>
+      <p:sp>
+        <p:nvSpPr>
+          <p:cNvPr id="2" name="TextBox 1"/>
+          <p:cNvSpPr txBox="1"/>
+          <p:nvPr/>
+        </p:nvSpPr>
+        <p:spPr>
+          <a:xfrm>
+            <a:off x="308430" y="1681787"/>
+            <a:ext cx="10351089" cy="553085"/>
+          </a:xfrm>
+          <a:prstGeom prst="rect">
+            <a:avLst/>
+          </a:prstGeom>
+          <a:noFill/>
+        </p:spPr>
+        <p:txBody>
+          <a:bodyPr wrap="square" rtlCol="0">
+            <a:spAutoFit/>
+          </a:bodyPr>
+          <a:lstStyle/>
+          <a:p>
+            <a:pPr algn="just"/>
+            <a:r>
+              <a:rPr lang="en-US" sz="3000" b="1" dirty="0">
+                <a:solidFill>
+                  <a:schemeClr val="accent1">
+                    <a:lumMod val="75000"/>
+                  </a:schemeClr>
+                </a:solidFill>
+                <a:latin typeface="Times New Roman" panose="02020603050405020304" pitchFamily="18" charset="0"/>
+                <a:cs typeface="Times New Roman" panose="02020603050405020304" pitchFamily="18" charset="0"/>
+              </a:rPr>
+              <a:t>Title</a:t>
+            </a:r>
+            <a:endParaRPr lang="en-US" sz="3000" b="1" dirty="0">
+              <a:solidFill>
+                <a:schemeClr val="accent1">
+                  <a:lumMod val="75000"/>
+                </a:schemeClr>
+              </a:solidFill>
+              <a:latin typeface="Times New Roman" panose="02020603050405020304" pitchFamily="18" charset="0"/>
+              <a:cs typeface="Times New Roman" panose="02020603050405020304" pitchFamily="18" charset="0"/>
+            </a:endParaRPr>
+          </a:p>
+        </p:txBody>
+      </p:sp>
+      <p:sp>
+        <p:nvSpPr>
+          <p:cNvPr id="6" name="TextBox 5"/>
+          <p:cNvSpPr txBox="1"/>
+          <p:nvPr/>
+        </p:nvSpPr>
+        <p:spPr>
+          <a:xfrm>
+            <a:off x="132839" y="3593413"/>
+            <a:ext cx="10351089" cy="553085"/>
+          </a:xfrm>
+          <a:prstGeom prst="rect">
+            <a:avLst/>
+          </a:prstGeom>
+          <a:noFill/>
+        </p:spPr>
+        <p:txBody>
+          <a:bodyPr wrap="square" rtlCol="0">
+            <a:spAutoFit/>
+          </a:bodyPr>
+          <a:lstStyle/>
+          <a:p>
+            <a:pPr algn="just"/>
+            <a:r>
+              <a:rPr lang="en-US" sz="3000" b="1" dirty="0">
+                <a:solidFill>
+                  <a:schemeClr val="accent1">
+                    <a:lumMod val="75000"/>
+                  </a:schemeClr>
+                </a:solidFill>
+                <a:latin typeface="Times New Roman" panose="02020603050405020304" pitchFamily="18" charset="0"/>
+                <a:cs typeface="Times New Roman" panose="02020603050405020304" pitchFamily="18" charset="0"/>
+              </a:rPr>
+              <a:t>Team Members (SRN Name)</a:t>
+            </a:r>
+            <a:endParaRPr lang="en-IN" sz="3000" dirty="0">
+              <a:solidFill>
+                <a:schemeClr val="accent1">
+                  <a:lumMod val="75000"/>
+                </a:schemeClr>
+              </a:solidFill>
+              <a:latin typeface="Times New Roman" panose="02020603050405020304" pitchFamily="18" charset="0"/>
+              <a:cs typeface="Times New Roman" panose="02020603050405020304" pitchFamily="18" charset="0"/>
+            </a:endParaRPr>
+          </a:p>
+        </p:txBody>
+      </p:sp>
+      <p:sp>
+        <p:nvSpPr>
+          <p:cNvPr id="3" name="TextBox 2"/>
+          <p:cNvSpPr txBox="1"/>
+          <p:nvPr/>
+        </p:nvSpPr>
+        <p:spPr>
+          <a:xfrm>
+            <a:off x="1497497" y="2345212"/>
+            <a:ext cx="6874142" cy="629920"/>
+          </a:xfrm>
+          <a:prstGeom prst="rect">
+            <a:avLst/>
+          </a:prstGeom>
+          <a:noFill/>
+        </p:spPr>
+        <p:txBody>
+          <a:bodyPr wrap="square" rtlCol="0">
+            <a:spAutoFit/>
+          </a:bodyPr>
+          <a:lstStyle/>
+          <a:p>
+            <a:r>
+              <a:rPr lang="en-US" sz="3500" b="1" dirty="0">
+                <a:ln w="13462">
+                  <a:solidFill>
+                    <a:schemeClr val="bg1"/>
+                  </a:solidFill>
+                  <a:prstDash val="solid"/>
+                </a:ln>
+                <a:solidFill>
+                  <a:schemeClr val="tx1">
+                    <a:lumMod val="85000"/>
+                    <a:lumOff val="15000"/>
+                  </a:schemeClr>
+                </a:solidFill>
+                <a:effectLst>
+                  <a:outerShdw dist="38100" dir="2700000" algn="bl" rotWithShape="0">
+                    <a:schemeClr val="accent5"/>
+                  </a:outerShdw>
+                </a:effectLst>
+                <a:latin typeface="Helvetica" panose="020B0604020202020204" pitchFamily="34" charset="0"/>
+                <a:cs typeface="Helvetica" panose="020B0604020202020204" pitchFamily="34" charset="0"/>
+              </a:rPr>
+              <a:t>BANK MANAGEMENT SYSTEM</a:t>
+            </a:r>
+            <a:endParaRPr lang="en-US" sz="3500" b="1" dirty="0">
+              <a:ln w="13462">
+                <a:solidFill>
+                  <a:schemeClr val="bg1"/>
+                </a:solidFill>
+                <a:prstDash val="solid"/>
+              </a:ln>
+              <a:solidFill>
+                <a:schemeClr val="tx1">
+                  <a:lumMod val="85000"/>
+                  <a:lumOff val="15000"/>
+                </a:schemeClr>
+              </a:solidFill>
+              <a:effectLst>
+                <a:outerShdw dist="38100" dir="2700000" algn="bl" rotWithShape="0">
+                  <a:schemeClr val="accent5"/>
+                </a:outerShdw>
+              </a:effectLst>
+              <a:latin typeface="Helvetica" panose="020B0604020202020204" pitchFamily="34" charset="0"/>
+              <a:cs typeface="Helvetica" panose="020B0604020202020204" pitchFamily="34" charset="0"/>
+            </a:endParaRPr>
+          </a:p>
+        </p:txBody>
+      </p:sp>
+      <p:sp>
+        <p:nvSpPr>
+          <p:cNvPr id="5" name="TextBox 4"/>
+          <p:cNvSpPr txBox="1"/>
+          <p:nvPr/>
+        </p:nvSpPr>
+        <p:spPr>
+          <a:xfrm>
+            <a:off x="915287" y="4420406"/>
+            <a:ext cx="8786191" cy="2183765"/>
+          </a:xfrm>
+          <a:prstGeom prst="rect">
+            <a:avLst/>
+          </a:prstGeom>
+          <a:noFill/>
+        </p:spPr>
+        <p:txBody>
+          <a:bodyPr wrap="square" rtlCol="0">
+            <a:spAutoFit/>
+          </a:bodyPr>
+          <a:lstStyle/>
+          <a:p>
+            <a:pPr marL="457200" indent="-457200">
+              <a:buAutoNum type="arabicPeriod"/>
+            </a:pPr>
+            <a:r>
+              <a:rPr lang="en-US" sz="2200" b="1" dirty="0" err="1">
+                <a:latin typeface="Arial" panose="020B0604020202020204" pitchFamily="34" charset="0"/>
+                <a:cs typeface="Arial" panose="020B0604020202020204" pitchFamily="34" charset="0"/>
+              </a:rPr>
+              <a:t>Lohit</a:t>
+            </a:r>
+            <a:r>
+              <a:rPr lang="en-US" sz="2200" b="1" dirty="0">
+                <a:latin typeface="Arial" panose="020B0604020202020204" pitchFamily="34" charset="0"/>
+                <a:cs typeface="Arial" panose="020B0604020202020204" pitchFamily="34" charset="0"/>
+              </a:rPr>
+              <a:t> K</a:t>
+            </a:r>
+            <a:r>
+              <a:rPr lang="en-US" sz="2200" b="1" dirty="0" err="1">
+                <a:latin typeface="Arial" panose="020B0604020202020204" pitchFamily="34" charset="0"/>
+                <a:cs typeface="Arial" panose="020B0604020202020204" pitchFamily="34" charset="0"/>
+              </a:rPr>
+              <a:t>umar</a:t>
+            </a:r>
+            <a:r>
+              <a:rPr lang="en-US" sz="2200" b="1" dirty="0">
+                <a:latin typeface="Arial" panose="020B0604020202020204" pitchFamily="34" charset="0"/>
+                <a:cs typeface="Arial" panose="020B0604020202020204" pitchFamily="34" charset="0"/>
+              </a:rPr>
+              <a:t> </a:t>
+            </a:r>
+            <a:r>
+              <a:rPr lang="en-US" sz="2200" b="1" dirty="0" err="1">
+                <a:latin typeface="Arial" panose="020B0604020202020204" pitchFamily="34" charset="0"/>
+                <a:cs typeface="Arial" panose="020B0604020202020204" pitchFamily="34" charset="0"/>
+              </a:rPr>
+              <a:t>Nagarur</a:t>
+            </a:r>
+            <a:r>
+              <a:rPr lang="en-US" sz="2200" b="1" dirty="0">
+                <a:latin typeface="Arial" panose="020B0604020202020204" pitchFamily="34" charset="0"/>
+                <a:cs typeface="Arial" panose="020B0604020202020204" pitchFamily="34" charset="0"/>
+              </a:rPr>
+              <a:t>                    SRN:  PES2UG22CS280</a:t>
+            </a:r>
+            <a:endParaRPr lang="en-US" sz="2200" b="1" dirty="0">
+              <a:latin typeface="Arial" panose="020B0604020202020204" pitchFamily="34" charset="0"/>
+              <a:cs typeface="Arial" panose="020B0604020202020204" pitchFamily="34" charset="0"/>
+            </a:endParaRPr>
+          </a:p>
+          <a:p>
+            <a:pPr marL="457200" indent="-457200">
+              <a:buAutoNum type="arabicPeriod"/>
+            </a:pPr>
+            <a:r>
+              <a:rPr lang="en-US" sz="2200" b="1" dirty="0">
+                <a:latin typeface="Arial" panose="020B0604020202020204" pitchFamily="34" charset="0"/>
+                <a:cs typeface="Arial" panose="020B0604020202020204" pitchFamily="34" charset="0"/>
+              </a:rPr>
+              <a:t>M C Krishna Kumar                       SRN:  PES2UG22CS281</a:t>
+            </a:r>
+            <a:endParaRPr lang="en-US" sz="2200" b="1" dirty="0">
+              <a:latin typeface="Arial" panose="020B0604020202020204" pitchFamily="34" charset="0"/>
+              <a:cs typeface="Arial" panose="020B0604020202020204" pitchFamily="34" charset="0"/>
+            </a:endParaRPr>
+          </a:p>
+          <a:p>
+            <a:pPr marL="457200" indent="-457200">
+              <a:buAutoNum type="arabicPeriod"/>
+            </a:pPr>
+            <a:r>
+              <a:rPr lang="en-US" sz="2200" b="1" dirty="0">
+                <a:latin typeface="Arial" panose="020B0604020202020204" pitchFamily="34" charset="0"/>
+                <a:cs typeface="Arial" panose="020B0604020202020204" pitchFamily="34" charset="0"/>
+              </a:rPr>
+              <a:t>Maddinala Venkat Charan	   SRN:  PES2UG22CS289</a:t>
+            </a:r>
+            <a:endParaRPr lang="en-US" sz="2200" b="1" dirty="0">
+              <a:latin typeface="Arial" panose="020B0604020202020204" pitchFamily="34" charset="0"/>
+              <a:cs typeface="Arial" panose="020B0604020202020204" pitchFamily="34" charset="0"/>
+            </a:endParaRPr>
+          </a:p>
+          <a:p>
+            <a:pPr marL="457200" indent="-457200">
+              <a:buAutoNum type="arabicPeriod"/>
+            </a:pPr>
+            <a:r>
+              <a:rPr lang="en-US" sz="2200" b="1" dirty="0">
+                <a:latin typeface="Arial" panose="020B0604020202020204" pitchFamily="34" charset="0"/>
+                <a:cs typeface="Arial" panose="020B0604020202020204" pitchFamily="34" charset="0"/>
+              </a:rPr>
+              <a:t>M Sai Nithin			   SRN:  PES2UG22CS284</a:t>
+            </a:r>
+            <a:endParaRPr lang="en-US" sz="2200" b="1" dirty="0">
+              <a:latin typeface="Arial" panose="020B0604020202020204" pitchFamily="34" charset="0"/>
+              <a:cs typeface="Arial" panose="020B0604020202020204" pitchFamily="34" charset="0"/>
+            </a:endParaRPr>
+          </a:p>
+          <a:p>
+            <a:pPr marL="457200" indent="-457200">
+              <a:buAutoNum type="arabicPeriod"/>
+            </a:pPr>
+            <a:endParaRPr lang="en-US" sz="2400" dirty="0">
+              <a:latin typeface="San serif"/>
+            </a:endParaRPr>
+          </a:p>
+          <a:p>
+            <a:pPr marL="457200" indent="-457200">
+              <a:buAutoNum type="arabicPeriod"/>
+            </a:pPr>
+            <a:endParaRPr lang="en-IN" sz="2400" dirty="0">
+              <a:latin typeface="San serif"/>
+            </a:endParaRPr>
+          </a:p>
+        </p:txBody>
+      </p:sp>
+    </p:spTree>
+  </p:cSld>
+  <p:clrMapOvr>
+    <a:masterClrMapping/>
+  </p:clrMapOvr>
+</p:sld>
+</file>
+
+<file path=ppt/slides/slide20.xml><?xml version="1.0" encoding="utf-8"?>
+<p:sld xmlns:a="http://schemas.openxmlformats.org/drawingml/2006/main" xmlns:r="http://schemas.openxmlformats.org/officeDocument/2006/relationships" xmlns:p="http://schemas.openxmlformats.org/presentationml/2006/main">
+  <p:cSld>
     <p:bg>
       <p:bgPr>
         <a:blipFill rotWithShape="0">
@@ -4363,7 +4864,7 @@
 </p:sld>
 </file>
 
-<file path=ppt/slides/slide19.xml><?xml version="1.0" encoding="utf-8"?>
+<file path=ppt/slides/slide21.xml><?xml version="1.0" encoding="utf-8"?>
 <p:sld xmlns:a="http://schemas.openxmlformats.org/drawingml/2006/main" xmlns:r="http://schemas.openxmlformats.org/officeDocument/2006/relationships" xmlns:p="http://schemas.openxmlformats.org/presentationml/2006/main">
   <p:cSld>
     <p:bg>
@@ -4416,422 +4917,7 @@
 </p:sld>
 </file>
 
-<file path=ppt/slides/slide2.xml><?xml version="1.0" encoding="utf-8"?>
-<p:sld xmlns:a="http://schemas.openxmlformats.org/drawingml/2006/main" xmlns:r="http://schemas.openxmlformats.org/officeDocument/2006/relationships" xmlns:p="http://schemas.openxmlformats.org/presentationml/2006/main">
-  <p:cSld>
-    <p:bg>
-      <p:bgPr>
-        <a:solidFill>
-          <a:schemeClr val="bg1">
-            <a:alpha val="100000"/>
-          </a:schemeClr>
-        </a:solidFill>
-        <a:effectLst/>
-      </p:bgPr>
-    </p:bg>
-    <p:spTree>
-      <p:nvGrpSpPr>
-        <p:cNvPr id="1" name=""/>
-        <p:cNvGrpSpPr/>
-        <p:nvPr/>
-      </p:nvGrpSpPr>
-      <p:grpSpPr>
-        <a:xfrm>
-          <a:off x="0" y="0"/>
-          <a:ext cx="0" cy="0"/>
-          <a:chOff x="0" y="0"/>
-          <a:chExt cx="0" cy="0"/>
-        </a:xfrm>
-      </p:grpSpPr>
-      <p:sp>
-        <p:nvSpPr>
-          <p:cNvPr id="22" name="Rectangle 21"/>
-          <p:cNvSpPr/>
-          <p:nvPr/>
-        </p:nvSpPr>
-        <p:spPr>
-          <a:xfrm>
-            <a:off x="371880" y="651898"/>
-            <a:ext cx="7999758" cy="461665"/>
-          </a:xfrm>
-          <a:prstGeom prst="rect">
-            <a:avLst/>
-          </a:prstGeom>
-        </p:spPr>
-        <p:txBody>
-          <a:bodyPr wrap="square">
-            <a:spAutoFit/>
-          </a:bodyPr>
-          <a:lstStyle/>
-          <a:p>
-            <a:r>
-              <a:rPr lang="en-IN" sz="2400" b="1" dirty="0">
-                <a:solidFill>
-                  <a:schemeClr val="accent2">
-                    <a:lumMod val="75000"/>
-                  </a:schemeClr>
-                </a:solidFill>
-              </a:rPr>
-              <a:t>Project Title &amp; Team Members</a:t>
-            </a:r>
-            <a:endParaRPr lang="en-IN" sz="2400" b="1" dirty="0">
-              <a:solidFill>
-                <a:schemeClr val="accent2">
-                  <a:lumMod val="75000"/>
-                </a:schemeClr>
-              </a:solidFill>
-            </a:endParaRPr>
-          </a:p>
-        </p:txBody>
-      </p:sp>
-      <p:cxnSp>
-        <p:nvCxnSpPr>
-          <p:cNvPr id="8" name="Straight Connector 7"/>
-          <p:cNvCxnSpPr/>
-          <p:nvPr/>
-        </p:nvCxnSpPr>
-        <p:spPr>
-          <a:xfrm>
-            <a:off x="-8308" y="1316458"/>
-            <a:ext cx="8300052" cy="0"/>
-          </a:xfrm>
-          <a:prstGeom prst="line">
-            <a:avLst/>
-          </a:prstGeom>
-          <a:ln w="38100">
-            <a:solidFill>
-              <a:schemeClr val="accent2">
-                <a:lumMod val="75000"/>
-              </a:schemeClr>
-            </a:solidFill>
-          </a:ln>
-        </p:spPr>
-        <p:style>
-          <a:lnRef idx="1">
-            <a:schemeClr val="accent1"/>
-          </a:lnRef>
-          <a:fillRef idx="0">
-            <a:schemeClr val="accent1"/>
-          </a:fillRef>
-          <a:effectRef idx="0">
-            <a:schemeClr val="accent1"/>
-          </a:effectRef>
-          <a:fontRef idx="minor">
-            <a:schemeClr val="tx1"/>
-          </a:fontRef>
-        </p:style>
-      </p:cxnSp>
-      <p:sp>
-        <p:nvSpPr>
-          <p:cNvPr id="2" name="TextBox 1"/>
-          <p:cNvSpPr txBox="1"/>
-          <p:nvPr/>
-        </p:nvSpPr>
-        <p:spPr>
-          <a:xfrm>
-            <a:off x="308430" y="1681787"/>
-            <a:ext cx="10351089" cy="553085"/>
-          </a:xfrm>
-          <a:prstGeom prst="rect">
-            <a:avLst/>
-          </a:prstGeom>
-          <a:noFill/>
-        </p:spPr>
-        <p:txBody>
-          <a:bodyPr wrap="square" rtlCol="0">
-            <a:spAutoFit/>
-          </a:bodyPr>
-          <a:lstStyle/>
-          <a:p>
-            <a:pPr algn="just"/>
-            <a:r>
-              <a:rPr lang="en-US" sz="3000" b="1" dirty="0">
-                <a:solidFill>
-                  <a:schemeClr val="accent1">
-                    <a:lumMod val="75000"/>
-                  </a:schemeClr>
-                </a:solidFill>
-                <a:latin typeface="Times New Roman" panose="02020603050405020304" pitchFamily="18" charset="0"/>
-                <a:cs typeface="Times New Roman" panose="02020603050405020304" pitchFamily="18" charset="0"/>
-              </a:rPr>
-              <a:t>Title</a:t>
-            </a:r>
-            <a:endParaRPr lang="en-US" sz="3000" b="1" dirty="0">
-              <a:solidFill>
-                <a:schemeClr val="accent1">
-                  <a:lumMod val="75000"/>
-                </a:schemeClr>
-              </a:solidFill>
-              <a:latin typeface="Times New Roman" panose="02020603050405020304" pitchFamily="18" charset="0"/>
-              <a:cs typeface="Times New Roman" panose="02020603050405020304" pitchFamily="18" charset="0"/>
-            </a:endParaRPr>
-          </a:p>
-        </p:txBody>
-      </p:sp>
-      <p:sp>
-        <p:nvSpPr>
-          <p:cNvPr id="6" name="TextBox 5"/>
-          <p:cNvSpPr txBox="1"/>
-          <p:nvPr/>
-        </p:nvSpPr>
-        <p:spPr>
-          <a:xfrm>
-            <a:off x="132839" y="3593413"/>
-            <a:ext cx="10351089" cy="553085"/>
-          </a:xfrm>
-          <a:prstGeom prst="rect">
-            <a:avLst/>
-          </a:prstGeom>
-          <a:noFill/>
-        </p:spPr>
-        <p:txBody>
-          <a:bodyPr wrap="square" rtlCol="0">
-            <a:spAutoFit/>
-          </a:bodyPr>
-          <a:lstStyle/>
-          <a:p>
-            <a:pPr algn="just"/>
-            <a:r>
-              <a:rPr lang="en-US" sz="3000" b="1" dirty="0">
-                <a:solidFill>
-                  <a:schemeClr val="accent1">
-                    <a:lumMod val="75000"/>
-                  </a:schemeClr>
-                </a:solidFill>
-                <a:latin typeface="Times New Roman" panose="02020603050405020304" pitchFamily="18" charset="0"/>
-                <a:cs typeface="Times New Roman" panose="02020603050405020304" pitchFamily="18" charset="0"/>
-              </a:rPr>
-              <a:t>Team Members (SRN Name)</a:t>
-            </a:r>
-            <a:endParaRPr lang="en-IN" sz="3000" dirty="0">
-              <a:solidFill>
-                <a:schemeClr val="accent1">
-                  <a:lumMod val="75000"/>
-                </a:schemeClr>
-              </a:solidFill>
-              <a:latin typeface="Times New Roman" panose="02020603050405020304" pitchFamily="18" charset="0"/>
-              <a:cs typeface="Times New Roman" panose="02020603050405020304" pitchFamily="18" charset="0"/>
-            </a:endParaRPr>
-          </a:p>
-        </p:txBody>
-      </p:sp>
-      <p:sp>
-        <p:nvSpPr>
-          <p:cNvPr id="3" name="TextBox 2"/>
-          <p:cNvSpPr txBox="1"/>
-          <p:nvPr/>
-        </p:nvSpPr>
-        <p:spPr>
-          <a:xfrm>
-            <a:off x="1497497" y="2345212"/>
-            <a:ext cx="6874142" cy="629920"/>
-          </a:xfrm>
-          <a:prstGeom prst="rect">
-            <a:avLst/>
-          </a:prstGeom>
-          <a:noFill/>
-        </p:spPr>
-        <p:txBody>
-          <a:bodyPr wrap="square" rtlCol="0">
-            <a:spAutoFit/>
-          </a:bodyPr>
-          <a:lstStyle/>
-          <a:p>
-            <a:r>
-              <a:rPr lang="en-US" sz="3500" b="1" dirty="0">
-                <a:ln w="13462">
-                  <a:solidFill>
-                    <a:schemeClr val="bg1"/>
-                  </a:solidFill>
-                  <a:prstDash val="solid"/>
-                </a:ln>
-                <a:solidFill>
-                  <a:schemeClr val="tx1">
-                    <a:lumMod val="85000"/>
-                    <a:lumOff val="15000"/>
-                  </a:schemeClr>
-                </a:solidFill>
-                <a:effectLst>
-                  <a:outerShdw dist="38100" dir="2700000" algn="bl" rotWithShape="0">
-                    <a:schemeClr val="accent5"/>
-                  </a:outerShdw>
-                </a:effectLst>
-                <a:latin typeface="Helvetica" panose="020B0604020202020204" pitchFamily="34" charset="0"/>
-                <a:cs typeface="Helvetica" panose="020B0604020202020204" pitchFamily="34" charset="0"/>
-              </a:rPr>
-              <a:t>BANK MANAGEMENT SYSTEM</a:t>
-            </a:r>
-            <a:endParaRPr lang="en-US" sz="3500" b="1" dirty="0">
-              <a:ln w="13462">
-                <a:solidFill>
-                  <a:schemeClr val="bg1"/>
-                </a:solidFill>
-                <a:prstDash val="solid"/>
-              </a:ln>
-              <a:solidFill>
-                <a:schemeClr val="tx1">
-                  <a:lumMod val="85000"/>
-                  <a:lumOff val="15000"/>
-                </a:schemeClr>
-              </a:solidFill>
-              <a:effectLst>
-                <a:outerShdw dist="38100" dir="2700000" algn="bl" rotWithShape="0">
-                  <a:schemeClr val="accent5"/>
-                </a:outerShdw>
-              </a:effectLst>
-              <a:latin typeface="Helvetica" panose="020B0604020202020204" pitchFamily="34" charset="0"/>
-              <a:cs typeface="Helvetica" panose="020B0604020202020204" pitchFamily="34" charset="0"/>
-            </a:endParaRPr>
-          </a:p>
-        </p:txBody>
-      </p:sp>
-      <p:sp>
-        <p:nvSpPr>
-          <p:cNvPr id="5" name="TextBox 4"/>
-          <p:cNvSpPr txBox="1"/>
-          <p:nvPr/>
-        </p:nvSpPr>
-        <p:spPr>
-          <a:xfrm>
-            <a:off x="915287" y="4420406"/>
-            <a:ext cx="8786191" cy="2183765"/>
-          </a:xfrm>
-          <a:prstGeom prst="rect">
-            <a:avLst/>
-          </a:prstGeom>
-          <a:noFill/>
-        </p:spPr>
-        <p:txBody>
-          <a:bodyPr wrap="square" rtlCol="0">
-            <a:spAutoFit/>
-          </a:bodyPr>
-          <a:lstStyle/>
-          <a:p>
-            <a:pPr marL="457200" indent="-457200">
-              <a:buAutoNum type="arabicPeriod"/>
-            </a:pPr>
-            <a:r>
-              <a:rPr lang="en-US" sz="2200" b="1" dirty="0" err="1">
-                <a:latin typeface="Arial" panose="020B0604020202020204" pitchFamily="34" charset="0"/>
-                <a:cs typeface="Arial" panose="020B0604020202020204" pitchFamily="34" charset="0"/>
-              </a:rPr>
-              <a:t>Lohit</a:t>
-            </a:r>
-            <a:r>
-              <a:rPr lang="en-US" sz="2200" b="1" dirty="0">
-                <a:latin typeface="Arial" panose="020B0604020202020204" pitchFamily="34" charset="0"/>
-                <a:cs typeface="Arial" panose="020B0604020202020204" pitchFamily="34" charset="0"/>
-              </a:rPr>
-              <a:t> K</a:t>
-            </a:r>
-            <a:r>
-              <a:rPr lang="en-US" sz="2200" b="1" dirty="0" err="1">
-                <a:latin typeface="Arial" panose="020B0604020202020204" pitchFamily="34" charset="0"/>
-                <a:cs typeface="Arial" panose="020B0604020202020204" pitchFamily="34" charset="0"/>
-              </a:rPr>
-              <a:t>umar</a:t>
-            </a:r>
-            <a:r>
-              <a:rPr lang="en-US" sz="2200" b="1" dirty="0">
-                <a:latin typeface="Arial" panose="020B0604020202020204" pitchFamily="34" charset="0"/>
-                <a:cs typeface="Arial" panose="020B0604020202020204" pitchFamily="34" charset="0"/>
-              </a:rPr>
-              <a:t> </a:t>
-            </a:r>
-            <a:r>
-              <a:rPr lang="en-US" sz="2200" b="1" dirty="0" err="1">
-                <a:latin typeface="Arial" panose="020B0604020202020204" pitchFamily="34" charset="0"/>
-                <a:cs typeface="Arial" panose="020B0604020202020204" pitchFamily="34" charset="0"/>
-              </a:rPr>
-              <a:t>Nagarur</a:t>
-            </a:r>
-            <a:r>
-              <a:rPr lang="en-US" sz="2200" b="1" dirty="0">
-                <a:latin typeface="Arial" panose="020B0604020202020204" pitchFamily="34" charset="0"/>
-                <a:cs typeface="Arial" panose="020B0604020202020204" pitchFamily="34" charset="0"/>
-              </a:rPr>
-              <a:t>                    SRN:  PES2UG22CS280</a:t>
-            </a:r>
-            <a:endParaRPr lang="en-US" sz="2200" b="1" dirty="0">
-              <a:latin typeface="Arial" panose="020B0604020202020204" pitchFamily="34" charset="0"/>
-              <a:cs typeface="Arial" panose="020B0604020202020204" pitchFamily="34" charset="0"/>
-            </a:endParaRPr>
-          </a:p>
-          <a:p>
-            <a:pPr marL="457200" indent="-457200">
-              <a:buAutoNum type="arabicPeriod"/>
-            </a:pPr>
-            <a:r>
-              <a:rPr lang="en-US" sz="2200" b="1" dirty="0">
-                <a:latin typeface="Arial" panose="020B0604020202020204" pitchFamily="34" charset="0"/>
-                <a:cs typeface="Arial" panose="020B0604020202020204" pitchFamily="34" charset="0"/>
-              </a:rPr>
-              <a:t>M C Krishna Kumar                       SRN:  PES2UG22CS281</a:t>
-            </a:r>
-            <a:endParaRPr lang="en-US" sz="2200" b="1" dirty="0">
-              <a:latin typeface="Arial" panose="020B0604020202020204" pitchFamily="34" charset="0"/>
-              <a:cs typeface="Arial" panose="020B0604020202020204" pitchFamily="34" charset="0"/>
-            </a:endParaRPr>
-          </a:p>
-          <a:p>
-            <a:pPr marL="457200" indent="-457200">
-              <a:buAutoNum type="arabicPeriod"/>
-            </a:pPr>
-            <a:r>
-              <a:rPr lang="en-US" sz="2200" b="1" dirty="0">
-                <a:latin typeface="Arial" panose="020B0604020202020204" pitchFamily="34" charset="0"/>
-                <a:cs typeface="Arial" panose="020B0604020202020204" pitchFamily="34" charset="0"/>
-              </a:rPr>
-              <a:t>Maddinala Venkat Charan	   SRN:  PES2UG22CS289</a:t>
-            </a:r>
-            <a:endParaRPr lang="en-US" sz="2200" b="1" dirty="0">
-              <a:latin typeface="Arial" panose="020B0604020202020204" pitchFamily="34" charset="0"/>
-              <a:cs typeface="Arial" panose="020B0604020202020204" pitchFamily="34" charset="0"/>
-            </a:endParaRPr>
-          </a:p>
-          <a:p>
-            <a:pPr marL="457200" indent="-457200">
-              <a:buAutoNum type="arabicPeriod"/>
-            </a:pPr>
-            <a:r>
-              <a:rPr lang="en-US" sz="2200" b="1" dirty="0">
-                <a:latin typeface="Arial" panose="020B0604020202020204" pitchFamily="34" charset="0"/>
-                <a:cs typeface="Arial" panose="020B0604020202020204" pitchFamily="34" charset="0"/>
-              </a:rPr>
-              <a:t>M Sai Nithin			   SRN:  PES2UG22CS284</a:t>
-            </a:r>
-            <a:endParaRPr lang="en-US" sz="2200" b="1" dirty="0">
-              <a:latin typeface="Arial" panose="020B0604020202020204" pitchFamily="34" charset="0"/>
-              <a:cs typeface="Arial" panose="020B0604020202020204" pitchFamily="34" charset="0"/>
-            </a:endParaRPr>
-          </a:p>
-          <a:p>
-            <a:pPr marL="457200" indent="-457200">
-              <a:buAutoNum type="arabicPeriod"/>
-            </a:pPr>
-            <a:endParaRPr lang="en-US" sz="2400" dirty="0">
-              <a:latin typeface="San serif"/>
-            </a:endParaRPr>
-          </a:p>
-          <a:p>
-            <a:pPr marL="457200" indent="-457200">
-              <a:buAutoNum type="arabicPeriod"/>
-            </a:pPr>
-            <a:endParaRPr lang="en-IN" sz="2400" dirty="0">
-              <a:latin typeface="San serif"/>
-            </a:endParaRPr>
-          </a:p>
-        </p:txBody>
-      </p:sp>
-    </p:spTree>
-  </p:cSld>
-  <p:clrMapOvr>
-    <a:masterClrMapping/>
-  </p:clrMapOvr>
-</p:sld>
-</file>
-
-<file path=ppt/slides/slide20.xml><?xml version="1.0" encoding="utf-8"?>
+<file path=ppt/slides/slide22.xml><?xml version="1.0" encoding="utf-8"?>
 <p:sld xmlns:a="http://schemas.openxmlformats.org/drawingml/2006/main" xmlns:r="http://schemas.openxmlformats.org/officeDocument/2006/relationships" xmlns:p="http://schemas.openxmlformats.org/presentationml/2006/main">
   <p:cSld>
     <p:bg>
@@ -4884,7 +4970,7 @@
 </p:sld>
 </file>
 
-<file path=ppt/slides/slide21.xml><?xml version="1.0" encoding="utf-8"?>
+<file path=ppt/slides/slide23.xml><?xml version="1.0" encoding="utf-8"?>
 <p:sld xmlns:a="http://schemas.openxmlformats.org/drawingml/2006/main" xmlns:r="http://schemas.openxmlformats.org/officeDocument/2006/relationships" xmlns:p="http://schemas.openxmlformats.org/presentationml/2006/main">
   <p:cSld>
     <p:bg>
@@ -4937,7 +5023,7 @@
 </p:sld>
 </file>
 
-<file path=ppt/slides/slide22.xml><?xml version="1.0" encoding="utf-8"?>
+<file path=ppt/slides/slide24.xml><?xml version="1.0" encoding="utf-8"?>
 <p:sld xmlns:a="http://schemas.openxmlformats.org/drawingml/2006/main" xmlns:r="http://schemas.openxmlformats.org/officeDocument/2006/relationships" xmlns:p="http://schemas.openxmlformats.org/presentationml/2006/main">
   <p:cSld>
     <p:bg>
@@ -4990,7 +5076,7 @@
 </p:sld>
 </file>
 
-<file path=ppt/slides/slide23.xml><?xml version="1.0" encoding="utf-8"?>
+<file path=ppt/slides/slide25.xml><?xml version="1.0" encoding="utf-8"?>
 <p:sld xmlns:a="http://schemas.openxmlformats.org/drawingml/2006/main" xmlns:r="http://schemas.openxmlformats.org/officeDocument/2006/relationships" xmlns:p="http://schemas.openxmlformats.org/presentationml/2006/main">
   <p:cSld>
     <p:bg>
